--- a/i - Crown Him with Many Crowns (Moore).pptx
+++ b/i - Crown Him with Many Crowns (Moore).pptx
@@ -115,10 +115,6 @@
 </p:presentation>
 </file>
 
-<file path=ppt/revisionInfo.xml><?xml version="1.0" encoding="utf-8"?>
-<p1510:revInfo xmlns:a="http://schemas.openxmlformats.org/drawingml/2006/main" xmlns:r="http://schemas.openxmlformats.org/officeDocument/2006/relationships" xmlns:p1510="http://schemas.microsoft.com/office/powerpoint/2015/10/main"/>
-</file>
-
 <file path=ppt/slideLayouts/slideLayout1.xml><?xml version="1.0" encoding="utf-8"?>
 <p:sldLayout xmlns:a="http://schemas.openxmlformats.org/drawingml/2006/main" xmlns:r="http://schemas.openxmlformats.org/officeDocument/2006/relationships" xmlns:p="http://schemas.openxmlformats.org/presentationml/2006/main" type="title" preserve="1">
   <p:cSld name="Title Slide">
@@ -248,7 +244,7 @@
           <a:p>
             <a:fld id="{32F7251A-AE54-443C-B8FE-5F636E835EBF}" type="datetimeFigureOut">
               <a:rPr lang="en-US" smtClean="0"/>
-              <a:t>8/5/2017</a:t>
+              <a:t>4/1/2018</a:t>
             </a:fld>
             <a:endParaRPr lang="en-US" dirty="0"/>
           </a:p>
@@ -416,7 +412,7 @@
           <a:p>
             <a:fld id="{32F7251A-AE54-443C-B8FE-5F636E835EBF}" type="datetimeFigureOut">
               <a:rPr lang="en-US" smtClean="0"/>
-              <a:t>8/5/2017</a:t>
+              <a:t>4/1/2018</a:t>
             </a:fld>
             <a:endParaRPr lang="en-US" dirty="0"/>
           </a:p>
@@ -594,7 +590,7 @@
           <a:p>
             <a:fld id="{32F7251A-AE54-443C-B8FE-5F636E835EBF}" type="datetimeFigureOut">
               <a:rPr lang="en-US" smtClean="0"/>
-              <a:t>8/5/2017</a:t>
+              <a:t>4/1/2018</a:t>
             </a:fld>
             <a:endParaRPr lang="en-US" dirty="0"/>
           </a:p>
@@ -762,7 +758,7 @@
           <a:p>
             <a:fld id="{32F7251A-AE54-443C-B8FE-5F636E835EBF}" type="datetimeFigureOut">
               <a:rPr lang="en-US" smtClean="0"/>
-              <a:t>8/5/2017</a:t>
+              <a:t>4/1/2018</a:t>
             </a:fld>
             <a:endParaRPr lang="en-US" dirty="0"/>
           </a:p>
@@ -1007,7 +1003,7 @@
           <a:p>
             <a:fld id="{32F7251A-AE54-443C-B8FE-5F636E835EBF}" type="datetimeFigureOut">
               <a:rPr lang="en-US" smtClean="0"/>
-              <a:t>8/5/2017</a:t>
+              <a:t>4/1/2018</a:t>
             </a:fld>
             <a:endParaRPr lang="en-US" dirty="0"/>
           </a:p>
@@ -1236,7 +1232,7 @@
           <a:p>
             <a:fld id="{32F7251A-AE54-443C-B8FE-5F636E835EBF}" type="datetimeFigureOut">
               <a:rPr lang="en-US" smtClean="0"/>
-              <a:t>8/5/2017</a:t>
+              <a:t>4/1/2018</a:t>
             </a:fld>
             <a:endParaRPr lang="en-US" dirty="0"/>
           </a:p>
@@ -1600,7 +1596,7 @@
           <a:p>
             <a:fld id="{32F7251A-AE54-443C-B8FE-5F636E835EBF}" type="datetimeFigureOut">
               <a:rPr lang="en-US" smtClean="0"/>
-              <a:t>8/5/2017</a:t>
+              <a:t>4/1/2018</a:t>
             </a:fld>
             <a:endParaRPr lang="en-US" dirty="0"/>
           </a:p>
@@ -1717,7 +1713,7 @@
           <a:p>
             <a:fld id="{32F7251A-AE54-443C-B8FE-5F636E835EBF}" type="datetimeFigureOut">
               <a:rPr lang="en-US" smtClean="0"/>
-              <a:t>8/5/2017</a:t>
+              <a:t>4/1/2018</a:t>
             </a:fld>
             <a:endParaRPr lang="en-US" dirty="0"/>
           </a:p>
@@ -1812,7 +1808,7 @@
           <a:p>
             <a:fld id="{32F7251A-AE54-443C-B8FE-5F636E835EBF}" type="datetimeFigureOut">
               <a:rPr lang="en-US" smtClean="0"/>
-              <a:t>8/5/2017</a:t>
+              <a:t>4/1/2018</a:t>
             </a:fld>
             <a:endParaRPr lang="en-US" dirty="0"/>
           </a:p>
@@ -2087,7 +2083,7 @@
           <a:p>
             <a:fld id="{32F7251A-AE54-443C-B8FE-5F636E835EBF}" type="datetimeFigureOut">
               <a:rPr lang="en-US" smtClean="0"/>
-              <a:t>8/5/2017</a:t>
+              <a:t>4/1/2018</a:t>
             </a:fld>
             <a:endParaRPr lang="en-US" dirty="0"/>
           </a:p>
@@ -2339,7 +2335,7 @@
           <a:p>
             <a:fld id="{32F7251A-AE54-443C-B8FE-5F636E835EBF}" type="datetimeFigureOut">
               <a:rPr lang="en-US" smtClean="0"/>
-              <a:t>8/5/2017</a:t>
+              <a:t>4/1/2018</a:t>
             </a:fld>
             <a:endParaRPr lang="en-US" dirty="0"/>
           </a:p>
@@ -2553,7 +2549,7 @@
           <a:p>
             <a:fld id="{32F7251A-AE54-443C-B8FE-5F636E835EBF}" type="datetimeFigureOut">
               <a:rPr lang="en-US" smtClean="0"/>
-              <a:t>8/5/2017</a:t>
+              <a:t>4/1/2018</a:t>
             </a:fld>
             <a:endParaRPr lang="en-US" dirty="0"/>
           </a:p>
@@ -3569,15 +3565,15 @@
                   <a:schemeClr val="bg1"/>
                 </a:solidFill>
               </a:rPr>
-              <a:t>Who triumphed </a:t>
-            </a:r>
-            <a:r>
-              <a:rPr lang="en-US" sz="3600" dirty="0" err="1">
+              <a:t>Who </a:t>
+            </a:r>
+            <a:r>
+              <a:rPr lang="en-US" sz="3600">
                 <a:solidFill>
                   <a:schemeClr val="bg1"/>
                 </a:solidFill>
               </a:rPr>
-              <a:t>o’re</a:t>
+              <a:t>triumphed o’er </a:t>
             </a:r>
             <a:r>
               <a:rPr lang="en-US" sz="3600" dirty="0">
@@ -3585,7 +3581,7 @@
                   <a:schemeClr val="bg1"/>
                 </a:solidFill>
               </a:rPr>
-              <a:t> the grave</a:t>
+              <a:t>the grave</a:t>
             </a:r>
           </a:p>
           <a:p>
@@ -3836,7 +3832,7 @@
                   <a:schemeClr val="bg1"/>
                 </a:solidFill>
               </a:rPr>
-              <a:t>Who all the sons of Jacob brings</a:t>
+              <a:t>As ransomed Jacob bows and sings</a:t>
             </a:r>
           </a:p>
           <a:p>
@@ -3847,7 +3843,7 @@
                   <a:schemeClr val="bg1"/>
                 </a:solidFill>
               </a:rPr>
-              <a:t>To Zion’s hallowed home.</a:t>
+              <a:t>Their praise to Him alone.</a:t>
             </a:r>
           </a:p>
           <a:p>
@@ -3866,7 +3862,7 @@
                   <a:schemeClr val="bg1"/>
                 </a:solidFill>
               </a:rPr>
-              <a:t>Oh, Israel, hear his cry</a:t>
+              <a:t>He vanquished every foe,</a:t>
             </a:r>
           </a:p>
           <a:p>
@@ -3877,7 +3873,7 @@
                   <a:schemeClr val="bg1"/>
                 </a:solidFill>
               </a:rPr>
-              <a:t>And turn from error’s night.</a:t>
+              <a:t>Saved Israel with His might,</a:t>
             </a:r>
           </a:p>
           <a:p>
@@ -3888,7 +3884,7 @@
                   <a:schemeClr val="bg1"/>
                 </a:solidFill>
               </a:rPr>
-              <a:t>Your Savior’s coming from on high</a:t>
+              <a:t>In glory now descends below</a:t>
             </a:r>
           </a:p>
           <a:p>
